--- a/文档/GUI设计.pptx
+++ b/文档/GUI设计.pptx
@@ -3763,16 +3763,15 @@
           </p:cNvPicPr>
           <p:nvPr/>
         </p:nvPicPr>
-        <p:blipFill>
+        <p:blipFill rotWithShape="1">
           <a:blip r:embed="rId2"/>
-          <a:stretch>
-            <a:fillRect/>
-          </a:stretch>
+          <a:srcRect r="44108"/>
+          <a:stretch/>
         </p:blipFill>
         <p:spPr>
           <a:xfrm>
-            <a:off x="1811961" y="3227686"/>
-            <a:ext cx="4351397" cy="883997"/>
+            <a:off x="596302" y="3227685"/>
+            <a:ext cx="2432057" cy="883997"/>
           </a:xfrm>
           <a:prstGeom prst="rect">
             <a:avLst/>
@@ -3801,7 +3800,7 @@
         </p:blipFill>
         <p:spPr>
           <a:xfrm>
-            <a:off x="8054273" y="143223"/>
+            <a:off x="324840" y="4777209"/>
             <a:ext cx="2651760" cy="1539240"/>
           </a:xfrm>
           <a:prstGeom prst="rect">
@@ -3825,7 +3824,7 @@
         </p:blipFill>
         <p:spPr>
           <a:xfrm>
-            <a:off x="8046423" y="1914481"/>
+            <a:off x="3452546" y="4499341"/>
             <a:ext cx="2659610" cy="2469094"/>
           </a:xfrm>
           <a:prstGeom prst="rect">
@@ -3899,6 +3898,256 @@
           </a:p>
         </p:txBody>
       </p:sp>
+      <p:pic>
+        <p:nvPicPr>
+          <p:cNvPr id="8" name="图片 7"/>
+          <p:cNvPicPr>
+            <a:picLocks noChangeAspect="1"/>
+          </p:cNvPicPr>
+          <p:nvPr/>
+        </p:nvPicPr>
+        <p:blipFill rotWithShape="1">
+          <a:blip r:embed="rId2"/>
+          <a:srcRect l="55520"/>
+          <a:stretch/>
+        </p:blipFill>
+        <p:spPr>
+          <a:xfrm>
+            <a:off x="4176669" y="3227684"/>
+            <a:ext cx="1935487" cy="883997"/>
+          </a:xfrm>
+          <a:prstGeom prst="rect">
+            <a:avLst/>
+          </a:prstGeom>
+        </p:spPr>
+      </p:pic>
+      <p:sp>
+        <p:nvSpPr>
+          <p:cNvPr id="2" name="圆角矩形 1"/>
+          <p:cNvSpPr/>
+          <p:nvPr/>
+        </p:nvSpPr>
+        <p:spPr>
+          <a:xfrm>
+            <a:off x="3254173" y="3429000"/>
+            <a:ext cx="796413" cy="582561"/>
+          </a:xfrm>
+          <a:prstGeom prst="roundRect">
+            <a:avLst/>
+          </a:prstGeom>
+        </p:spPr>
+        <p:style>
+          <a:lnRef idx="2">
+            <a:schemeClr val="dk1"/>
+          </a:lnRef>
+          <a:fillRef idx="1">
+            <a:schemeClr val="lt1"/>
+          </a:fillRef>
+          <a:effectRef idx="0">
+            <a:schemeClr val="dk1"/>
+          </a:effectRef>
+          <a:fontRef idx="minor">
+            <a:schemeClr val="dk1"/>
+          </a:fontRef>
+        </p:style>
+        <p:txBody>
+          <a:bodyPr rtlCol="0" anchor="ctr"/>
+          <a:lstStyle/>
+          <a:p>
+            <a:pPr algn="ctr"/>
+            <a:r>
+              <a:rPr lang="en-US" altLang="zh-CN" sz="1400" dirty="0" smtClean="0"/>
+              <a:t>A</a:t>
+            </a:r>
+          </a:p>
+          <a:p>
+            <a:pPr algn="ctr"/>
+            <a:r>
+              <a:rPr lang="zh-CN" altLang="en-US" sz="1400" dirty="0"/>
+              <a:t>文字</a:t>
+            </a:r>
+          </a:p>
+        </p:txBody>
+      </p:sp>
+      <p:sp>
+        <p:nvSpPr>
+          <p:cNvPr id="11" name="圆角矩形 10"/>
+          <p:cNvSpPr/>
+          <p:nvPr/>
+        </p:nvSpPr>
+        <p:spPr>
+          <a:xfrm>
+            <a:off x="7311512" y="6275439"/>
+            <a:ext cx="796413" cy="582561"/>
+          </a:xfrm>
+          <a:prstGeom prst="roundRect">
+            <a:avLst/>
+          </a:prstGeom>
+        </p:spPr>
+        <p:style>
+          <a:lnRef idx="2">
+            <a:schemeClr val="dk1"/>
+          </a:lnRef>
+          <a:fillRef idx="1">
+            <a:schemeClr val="lt1"/>
+          </a:fillRef>
+          <a:effectRef idx="0">
+            <a:schemeClr val="dk1"/>
+          </a:effectRef>
+          <a:fontRef idx="minor">
+            <a:schemeClr val="dk1"/>
+          </a:fontRef>
+        </p:style>
+        <p:txBody>
+          <a:bodyPr rtlCol="0" anchor="ctr"/>
+          <a:lstStyle/>
+          <a:p>
+            <a:pPr algn="ctr"/>
+            <a:r>
+              <a:rPr lang="en-US" altLang="zh-CN" sz="1400" dirty="0" smtClean="0"/>
+              <a:t>A</a:t>
+            </a:r>
+          </a:p>
+          <a:p>
+            <a:pPr algn="ctr"/>
+            <a:r>
+              <a:rPr lang="zh-CN" altLang="en-US" sz="1400" dirty="0"/>
+              <a:t>文字</a:t>
+            </a:r>
+          </a:p>
+        </p:txBody>
+      </p:sp>
+      <p:sp>
+        <p:nvSpPr>
+          <p:cNvPr id="3" name="圆角矩形标注 2"/>
+          <p:cNvSpPr/>
+          <p:nvPr/>
+        </p:nvSpPr>
+        <p:spPr>
+          <a:xfrm>
+            <a:off x="6835877" y="4499341"/>
+            <a:ext cx="2544097" cy="1601573"/>
+          </a:xfrm>
+          <a:prstGeom prst="wedgeRoundRectCallout">
+            <a:avLst>
+              <a:gd name="adj1" fmla="val -22765"/>
+              <a:gd name="adj2" fmla="val 59430"/>
+              <a:gd name="adj3" fmla="val 16667"/>
+            </a:avLst>
+          </a:prstGeom>
+        </p:spPr>
+        <p:style>
+          <a:lnRef idx="2">
+            <a:schemeClr val="dk1"/>
+          </a:lnRef>
+          <a:fillRef idx="1">
+            <a:schemeClr val="lt1"/>
+          </a:fillRef>
+          <a:effectRef idx="0">
+            <a:schemeClr val="dk1"/>
+          </a:effectRef>
+          <a:fontRef idx="minor">
+            <a:schemeClr val="dk1"/>
+          </a:fontRef>
+        </p:style>
+        <p:txBody>
+          <a:bodyPr rtlCol="0" anchor="ctr"/>
+          <a:lstStyle/>
+          <a:p>
+            <a:pPr algn="ctr"/>
+            <a:endParaRPr lang="zh-CN" altLang="en-US"/>
+          </a:p>
+        </p:txBody>
+      </p:sp>
+      <p:sp>
+        <p:nvSpPr>
+          <p:cNvPr id="4" name="文本框 3"/>
+          <p:cNvSpPr txBox="1"/>
+          <p:nvPr/>
+        </p:nvSpPr>
+        <p:spPr>
+          <a:xfrm>
+            <a:off x="7027115" y="4734895"/>
+            <a:ext cx="1546614" cy="338554"/>
+          </a:xfrm>
+          <a:prstGeom prst="rect">
+            <a:avLst/>
+          </a:prstGeom>
+          <a:noFill/>
+        </p:spPr>
+        <p:txBody>
+          <a:bodyPr wrap="square" rtlCol="0">
+            <a:spAutoFit/>
+          </a:bodyPr>
+          <a:lstStyle/>
+          <a:p>
+            <a:r>
+              <a:rPr lang="zh-CN" altLang="en-US" sz="1600" dirty="0" smtClean="0"/>
+              <a:t>字体：</a:t>
+            </a:r>
+            <a:endParaRPr lang="zh-CN" altLang="en-US" sz="1600" dirty="0"/>
+          </a:p>
+        </p:txBody>
+      </p:sp>
+      <p:sp>
+        <p:nvSpPr>
+          <p:cNvPr id="14" name="文本框 13"/>
+          <p:cNvSpPr txBox="1"/>
+          <p:nvPr/>
+        </p:nvSpPr>
+        <p:spPr>
+          <a:xfrm>
+            <a:off x="7027115" y="5139726"/>
+            <a:ext cx="1546614" cy="338554"/>
+          </a:xfrm>
+          <a:prstGeom prst="rect">
+            <a:avLst/>
+          </a:prstGeom>
+          <a:noFill/>
+        </p:spPr>
+        <p:txBody>
+          <a:bodyPr wrap="square" rtlCol="0">
+            <a:spAutoFit/>
+          </a:bodyPr>
+          <a:lstStyle/>
+          <a:p>
+            <a:r>
+              <a:rPr lang="zh-CN" altLang="en-US" sz="1600" dirty="0" smtClean="0"/>
+              <a:t>字号：</a:t>
+            </a:r>
+            <a:endParaRPr lang="zh-CN" altLang="en-US" sz="1600" dirty="0"/>
+          </a:p>
+        </p:txBody>
+      </p:sp>
+      <p:pic>
+        <p:nvPicPr>
+          <p:cNvPr id="17" name="图片 16"/>
+          <p:cNvPicPr>
+            <a:picLocks noChangeAspect="1"/>
+          </p:cNvPicPr>
+          <p:nvPr/>
+        </p:nvPicPr>
+        <p:blipFill rotWithShape="1">
+          <a:blip r:embed="rId3">
+            <a:extLst>
+              <a:ext uri="{28A0092B-C50C-407E-A947-70E740481C1C}">
+                <a14:useLocalDpi xmlns:a14="http://schemas.microsoft.com/office/drawing/2010/main" val="0"/>
+              </a:ext>
+            </a:extLst>
+          </a:blip>
+          <a:srcRect l="2466" t="29658" r="3726" b="48623"/>
+          <a:stretch/>
+        </p:blipFill>
+        <p:spPr>
+          <a:xfrm>
+            <a:off x="7061565" y="5625495"/>
+            <a:ext cx="2184156" cy="293523"/>
+          </a:xfrm>
+          <a:prstGeom prst="rect">
+            <a:avLst/>
+          </a:prstGeom>
+        </p:spPr>
+      </p:pic>
     </p:spTree>
     <p:extLst>
       <p:ext uri="{BB962C8B-B14F-4D97-AF65-F5344CB8AC3E}">

--- a/文档/GUI设计.pptx
+++ b/文档/GUI设计.pptx
@@ -109,11 +109,6 @@
   <p:extLst>
     <p:ext uri="{EFAFB233-063F-42B5-8137-9DF3F51BA10A}">
       <p15:sldGuideLst xmlns:p15="http://schemas.microsoft.com/office/powerpoint/2012/main">
-        <p15:guide id="1" orient="horz" pos="2160" userDrawn="1">
-          <p15:clr>
-            <a:srgbClr val="A4A3A4"/>
-          </p15:clr>
-        </p15:guide>
         <p15:guide id="2" pos="3840" userDrawn="1">
           <p15:clr>
             <a:srgbClr val="A4A3A4"/>
@@ -256,7 +251,7 @@
           <a:p>
             <a:fld id="{F73117B3-37AA-408A-B63E-CC2FB56C9E24}" type="datetimeFigureOut">
               <a:rPr lang="zh-CN" altLang="en-US" smtClean="0"/>
-              <a:t>2020/11/28</a:t>
+              <a:t>2020/12/3</a:t>
             </a:fld>
             <a:endParaRPr lang="zh-CN" altLang="en-US"/>
           </a:p>
@@ -426,7 +421,7 @@
           <a:p>
             <a:fld id="{F73117B3-37AA-408A-B63E-CC2FB56C9E24}" type="datetimeFigureOut">
               <a:rPr lang="zh-CN" altLang="en-US" smtClean="0"/>
-              <a:t>2020/11/28</a:t>
+              <a:t>2020/12/3</a:t>
             </a:fld>
             <a:endParaRPr lang="zh-CN" altLang="en-US"/>
           </a:p>
@@ -606,7 +601,7 @@
           <a:p>
             <a:fld id="{F73117B3-37AA-408A-B63E-CC2FB56C9E24}" type="datetimeFigureOut">
               <a:rPr lang="zh-CN" altLang="en-US" smtClean="0"/>
-              <a:t>2020/11/28</a:t>
+              <a:t>2020/12/3</a:t>
             </a:fld>
             <a:endParaRPr lang="zh-CN" altLang="en-US"/>
           </a:p>
@@ -776,7 +771,7 @@
           <a:p>
             <a:fld id="{F73117B3-37AA-408A-B63E-CC2FB56C9E24}" type="datetimeFigureOut">
               <a:rPr lang="zh-CN" altLang="en-US" smtClean="0"/>
-              <a:t>2020/11/28</a:t>
+              <a:t>2020/12/3</a:t>
             </a:fld>
             <a:endParaRPr lang="zh-CN" altLang="en-US"/>
           </a:p>
@@ -1022,7 +1017,7 @@
           <a:p>
             <a:fld id="{F73117B3-37AA-408A-B63E-CC2FB56C9E24}" type="datetimeFigureOut">
               <a:rPr lang="zh-CN" altLang="en-US" smtClean="0"/>
-              <a:t>2020/11/28</a:t>
+              <a:t>2020/12/3</a:t>
             </a:fld>
             <a:endParaRPr lang="zh-CN" altLang="en-US"/>
           </a:p>
@@ -1254,7 +1249,7 @@
           <a:p>
             <a:fld id="{F73117B3-37AA-408A-B63E-CC2FB56C9E24}" type="datetimeFigureOut">
               <a:rPr lang="zh-CN" altLang="en-US" smtClean="0"/>
-              <a:t>2020/11/28</a:t>
+              <a:t>2020/12/3</a:t>
             </a:fld>
             <a:endParaRPr lang="zh-CN" altLang="en-US"/>
           </a:p>
@@ -1621,7 +1616,7 @@
           <a:p>
             <a:fld id="{F73117B3-37AA-408A-B63E-CC2FB56C9E24}" type="datetimeFigureOut">
               <a:rPr lang="zh-CN" altLang="en-US" smtClean="0"/>
-              <a:t>2020/11/28</a:t>
+              <a:t>2020/12/3</a:t>
             </a:fld>
             <a:endParaRPr lang="zh-CN" altLang="en-US"/>
           </a:p>
@@ -1739,7 +1734,7 @@
           <a:p>
             <a:fld id="{F73117B3-37AA-408A-B63E-CC2FB56C9E24}" type="datetimeFigureOut">
               <a:rPr lang="zh-CN" altLang="en-US" smtClean="0"/>
-              <a:t>2020/11/28</a:t>
+              <a:t>2020/12/3</a:t>
             </a:fld>
             <a:endParaRPr lang="zh-CN" altLang="en-US"/>
           </a:p>
@@ -1834,7 +1829,7 @@
           <a:p>
             <a:fld id="{F73117B3-37AA-408A-B63E-CC2FB56C9E24}" type="datetimeFigureOut">
               <a:rPr lang="zh-CN" altLang="en-US" smtClean="0"/>
-              <a:t>2020/11/28</a:t>
+              <a:t>2020/12/3</a:t>
             </a:fld>
             <a:endParaRPr lang="zh-CN" altLang="en-US"/>
           </a:p>
@@ -2111,7 +2106,7 @@
           <a:p>
             <a:fld id="{F73117B3-37AA-408A-B63E-CC2FB56C9E24}" type="datetimeFigureOut">
               <a:rPr lang="zh-CN" altLang="en-US" smtClean="0"/>
-              <a:t>2020/11/28</a:t>
+              <a:t>2020/12/3</a:t>
             </a:fld>
             <a:endParaRPr lang="zh-CN" altLang="en-US"/>
           </a:p>
@@ -2364,7 +2359,7 @@
           <a:p>
             <a:fld id="{F73117B3-37AA-408A-B63E-CC2FB56C9E24}" type="datetimeFigureOut">
               <a:rPr lang="zh-CN" altLang="en-US" smtClean="0"/>
-              <a:t>2020/11/28</a:t>
+              <a:t>2020/12/3</a:t>
             </a:fld>
             <a:endParaRPr lang="zh-CN" altLang="en-US"/>
           </a:p>
@@ -2577,7 +2572,7 @@
           <a:p>
             <a:fld id="{F73117B3-37AA-408A-B63E-CC2FB56C9E24}" type="datetimeFigureOut">
               <a:rPr lang="zh-CN" altLang="en-US" smtClean="0"/>
-              <a:t>2020/11/28</a:t>
+              <a:t>2020/12/3</a:t>
             </a:fld>
             <a:endParaRPr lang="zh-CN" altLang="en-US"/>
           </a:p>
@@ -3684,44 +3679,30 @@
           <a:chExt cx="0" cy="0"/>
         </a:xfrm>
       </p:grpSpPr>
-      <p:sp>
-        <p:nvSpPr>
-          <p:cNvPr id="10" name="矩形 9"/>
-          <p:cNvSpPr/>
+      <p:pic>
+        <p:nvPicPr>
+          <p:cNvPr id="19" name="图片 18"/>
+          <p:cNvPicPr>
+            <a:picLocks noChangeAspect="1"/>
+          </p:cNvPicPr>
           <p:nvPr/>
-        </p:nvSpPr>
+        </p:nvPicPr>
+        <p:blipFill>
+          <a:blip r:embed="rId2"/>
+          <a:stretch>
+            <a:fillRect/>
+          </a:stretch>
+        </p:blipFill>
         <p:spPr>
           <a:xfrm>
-            <a:off x="324840" y="143223"/>
-            <a:ext cx="7325640" cy="4103657"/>
+            <a:off x="68887" y="32854"/>
+            <a:ext cx="7820025" cy="4410075"/>
           </a:xfrm>
           <a:prstGeom prst="rect">
             <a:avLst/>
           </a:prstGeom>
         </p:spPr>
-        <p:style>
-          <a:lnRef idx="2">
-            <a:schemeClr val="dk1"/>
-          </a:lnRef>
-          <a:fillRef idx="1">
-            <a:schemeClr val="lt1"/>
-          </a:fillRef>
-          <a:effectRef idx="0">
-            <a:schemeClr val="dk1"/>
-          </a:effectRef>
-          <a:fontRef idx="minor">
-            <a:schemeClr val="dk1"/>
-          </a:fontRef>
-        </p:style>
-        <p:txBody>
-          <a:bodyPr rtlCol="0" anchor="ctr"/>
-          <a:lstStyle/>
-          <a:p>
-            <a:pPr algn="ctr"/>
-            <a:endParaRPr lang="zh-CN" altLang="en-US"/>
-          </a:p>
-        </p:txBody>
-      </p:sp>
+      </p:pic>
       <p:sp>
         <p:nvSpPr>
           <p:cNvPr id="6" name="文本框 5"/>
@@ -3755,29 +3736,6 @@
           </a:p>
         </p:txBody>
       </p:sp>
-      <p:pic>
-        <p:nvPicPr>
-          <p:cNvPr id="9" name="图片 8"/>
-          <p:cNvPicPr>
-            <a:picLocks noChangeAspect="1"/>
-          </p:cNvPicPr>
-          <p:nvPr/>
-        </p:nvPicPr>
-        <p:blipFill rotWithShape="1">
-          <a:blip r:embed="rId2"/>
-          <a:srcRect r="44108"/>
-          <a:stretch/>
-        </p:blipFill>
-        <p:spPr>
-          <a:xfrm>
-            <a:off x="596302" y="3227685"/>
-            <a:ext cx="2432057" cy="883997"/>
-          </a:xfrm>
-          <a:prstGeom prst="rect">
-            <a:avLst/>
-          </a:prstGeom>
-        </p:spPr>
-      </p:pic>
       <p:pic>
         <p:nvPicPr>
           <p:cNvPr id="13" name="图片 12"/>
@@ -3900,21 +3858,22 @@
       </p:sp>
       <p:pic>
         <p:nvPicPr>
-          <p:cNvPr id="8" name="图片 7"/>
+          <p:cNvPr id="7" name="图片 6"/>
           <p:cNvPicPr>
             <a:picLocks noChangeAspect="1"/>
           </p:cNvPicPr>
           <p:nvPr/>
         </p:nvPicPr>
-        <p:blipFill rotWithShape="1">
-          <a:blip r:embed="rId2"/>
-          <a:srcRect l="55520"/>
-          <a:stretch/>
+        <p:blipFill>
+          <a:blip r:embed="rId5"/>
+          <a:stretch>
+            <a:fillRect/>
+          </a:stretch>
         </p:blipFill>
         <p:spPr>
           <a:xfrm>
-            <a:off x="4176669" y="3227684"/>
-            <a:ext cx="1935487" cy="883997"/>
+            <a:off x="1068227" y="3406689"/>
+            <a:ext cx="5027773" cy="886732"/>
           </a:xfrm>
           <a:prstGeom prst="rect">
             <a:avLst/>
@@ -3923,152 +3882,14 @@
       </p:pic>
       <p:sp>
         <p:nvSpPr>
-          <p:cNvPr id="2" name="圆角矩形 1"/>
-          <p:cNvSpPr/>
+          <p:cNvPr id="18" name="文本框 17"/>
+          <p:cNvSpPr txBox="1"/>
           <p:nvPr/>
         </p:nvSpPr>
         <p:spPr>
           <a:xfrm>
-            <a:off x="3254173" y="3429000"/>
-            <a:ext cx="796413" cy="582561"/>
-          </a:xfrm>
-          <a:prstGeom prst="roundRect">
-            <a:avLst/>
-          </a:prstGeom>
-        </p:spPr>
-        <p:style>
-          <a:lnRef idx="2">
-            <a:schemeClr val="dk1"/>
-          </a:lnRef>
-          <a:fillRef idx="1">
-            <a:schemeClr val="lt1"/>
-          </a:fillRef>
-          <a:effectRef idx="0">
-            <a:schemeClr val="dk1"/>
-          </a:effectRef>
-          <a:fontRef idx="minor">
-            <a:schemeClr val="dk1"/>
-          </a:fontRef>
-        </p:style>
-        <p:txBody>
-          <a:bodyPr rtlCol="0" anchor="ctr"/>
-          <a:lstStyle/>
-          <a:p>
-            <a:pPr algn="ctr"/>
-            <a:r>
-              <a:rPr lang="en-US" altLang="zh-CN" sz="1400" dirty="0" smtClean="0"/>
-              <a:t>A</a:t>
-            </a:r>
-          </a:p>
-          <a:p>
-            <a:pPr algn="ctr"/>
-            <a:r>
-              <a:rPr lang="zh-CN" altLang="en-US" sz="1400" dirty="0"/>
-              <a:t>文字</a:t>
-            </a:r>
-          </a:p>
-        </p:txBody>
-      </p:sp>
-      <p:sp>
-        <p:nvSpPr>
-          <p:cNvPr id="11" name="圆角矩形 10"/>
-          <p:cNvSpPr/>
-          <p:nvPr/>
-        </p:nvSpPr>
-        <p:spPr>
-          <a:xfrm>
-            <a:off x="7311512" y="6275439"/>
-            <a:ext cx="796413" cy="582561"/>
-          </a:xfrm>
-          <a:prstGeom prst="roundRect">
-            <a:avLst/>
-          </a:prstGeom>
-        </p:spPr>
-        <p:style>
-          <a:lnRef idx="2">
-            <a:schemeClr val="dk1"/>
-          </a:lnRef>
-          <a:fillRef idx="1">
-            <a:schemeClr val="lt1"/>
-          </a:fillRef>
-          <a:effectRef idx="0">
-            <a:schemeClr val="dk1"/>
-          </a:effectRef>
-          <a:fontRef idx="minor">
-            <a:schemeClr val="dk1"/>
-          </a:fontRef>
-        </p:style>
-        <p:txBody>
-          <a:bodyPr rtlCol="0" anchor="ctr"/>
-          <a:lstStyle/>
-          <a:p>
-            <a:pPr algn="ctr"/>
-            <a:r>
-              <a:rPr lang="en-US" altLang="zh-CN" sz="1400" dirty="0" smtClean="0"/>
-              <a:t>A</a:t>
-            </a:r>
-          </a:p>
-          <a:p>
-            <a:pPr algn="ctr"/>
-            <a:r>
-              <a:rPr lang="zh-CN" altLang="en-US" sz="1400" dirty="0"/>
-              <a:t>文字</a:t>
-            </a:r>
-          </a:p>
-        </p:txBody>
-      </p:sp>
-      <p:sp>
-        <p:nvSpPr>
-          <p:cNvPr id="3" name="圆角矩形标注 2"/>
-          <p:cNvSpPr/>
-          <p:nvPr/>
-        </p:nvSpPr>
-        <p:spPr>
-          <a:xfrm>
-            <a:off x="6835877" y="4499341"/>
-            <a:ext cx="2544097" cy="1601573"/>
-          </a:xfrm>
-          <a:prstGeom prst="wedgeRoundRectCallout">
-            <a:avLst>
-              <a:gd name="adj1" fmla="val -22765"/>
-              <a:gd name="adj2" fmla="val 59430"/>
-              <a:gd name="adj3" fmla="val 16667"/>
-            </a:avLst>
-          </a:prstGeom>
-        </p:spPr>
-        <p:style>
-          <a:lnRef idx="2">
-            <a:schemeClr val="dk1"/>
-          </a:lnRef>
-          <a:fillRef idx="1">
-            <a:schemeClr val="lt1"/>
-          </a:fillRef>
-          <a:effectRef idx="0">
-            <a:schemeClr val="dk1"/>
-          </a:effectRef>
-          <a:fontRef idx="minor">
-            <a:schemeClr val="dk1"/>
-          </a:fontRef>
-        </p:style>
-        <p:txBody>
-          <a:bodyPr rtlCol="0" anchor="ctr"/>
-          <a:lstStyle/>
-          <a:p>
-            <a:pPr algn="ctr"/>
-            <a:endParaRPr lang="zh-CN" altLang="en-US"/>
-          </a:p>
-        </p:txBody>
-      </p:sp>
-      <p:sp>
-        <p:nvSpPr>
-          <p:cNvPr id="4" name="文本框 3"/>
-          <p:cNvSpPr txBox="1"/>
-          <p:nvPr/>
-        </p:nvSpPr>
-        <p:spPr>
-          <a:xfrm>
-            <a:off x="7027115" y="4734895"/>
-            <a:ext cx="1546614" cy="338554"/>
+            <a:off x="1123193" y="3458463"/>
+            <a:ext cx="1107996" cy="369332"/>
           </a:xfrm>
           <a:prstGeom prst="rect">
             <a:avLst/>
@@ -4076,72 +3897,45 @@
           <a:noFill/>
         </p:spPr>
         <p:txBody>
-          <a:bodyPr wrap="square" rtlCol="0">
+          <a:bodyPr wrap="none" rtlCol="0">
             <a:spAutoFit/>
           </a:bodyPr>
           <a:lstStyle/>
           <a:p>
             <a:r>
-              <a:rPr lang="zh-CN" altLang="en-US" sz="1600" dirty="0" smtClean="0"/>
-              <a:t>字体：</a:t>
-            </a:r>
-            <a:endParaRPr lang="zh-CN" altLang="en-US" sz="1600" dirty="0"/>
-          </a:p>
-        </p:txBody>
-      </p:sp>
-      <p:sp>
-        <p:nvSpPr>
-          <p:cNvPr id="14" name="文本框 13"/>
-          <p:cNvSpPr txBox="1"/>
-          <p:nvPr/>
-        </p:nvSpPr>
-        <p:spPr>
-          <a:xfrm>
-            <a:off x="7027115" y="5139726"/>
-            <a:ext cx="1546614" cy="338554"/>
-          </a:xfrm>
-          <a:prstGeom prst="rect">
-            <a:avLst/>
-          </a:prstGeom>
-          <a:noFill/>
-        </p:spPr>
-        <p:txBody>
-          <a:bodyPr wrap="square" rtlCol="0">
-            <a:spAutoFit/>
-          </a:bodyPr>
-          <a:lstStyle/>
-          <a:p>
-            <a:r>
-              <a:rPr lang="zh-CN" altLang="en-US" sz="1600" dirty="0" smtClean="0"/>
-              <a:t>字号：</a:t>
-            </a:r>
-            <a:endParaRPr lang="zh-CN" altLang="en-US" sz="1600" dirty="0"/>
+              <a:rPr lang="zh-CN" altLang="en-US" dirty="0" smtClean="0">
+                <a:solidFill>
+                  <a:srgbClr val="FF0000"/>
+                </a:solidFill>
+              </a:rPr>
+              <a:t>浮动窗口</a:t>
+            </a:r>
+            <a:endParaRPr lang="zh-CN" altLang="en-US" dirty="0">
+              <a:solidFill>
+                <a:srgbClr val="FF0000"/>
+              </a:solidFill>
+            </a:endParaRPr>
           </a:p>
         </p:txBody>
       </p:sp>
       <p:pic>
         <p:nvPicPr>
-          <p:cNvPr id="17" name="图片 16"/>
+          <p:cNvPr id="20" name="图片 19"/>
           <p:cNvPicPr>
             <a:picLocks noChangeAspect="1"/>
           </p:cNvPicPr>
           <p:nvPr/>
         </p:nvPicPr>
-        <p:blipFill rotWithShape="1">
-          <a:blip r:embed="rId3">
-            <a:extLst>
-              <a:ext uri="{28A0092B-C50C-407E-A947-70E740481C1C}">
-                <a14:useLocalDpi xmlns:a14="http://schemas.microsoft.com/office/drawing/2010/main" val="0"/>
-              </a:ext>
-            </a:extLst>
-          </a:blip>
-          <a:srcRect l="2466" t="29658" r="3726" b="48623"/>
-          <a:stretch/>
+        <p:blipFill>
+          <a:blip r:embed="rId6"/>
+          <a:stretch>
+            <a:fillRect/>
+          </a:stretch>
         </p:blipFill>
         <p:spPr>
           <a:xfrm>
-            <a:off x="7061565" y="5625495"/>
-            <a:ext cx="2184156" cy="293523"/>
+            <a:off x="6473432" y="4639471"/>
+            <a:ext cx="3228975" cy="1971675"/>
           </a:xfrm>
           <a:prstGeom prst="rect">
             <a:avLst/>

--- a/文档/GUI设计.pptx
+++ b/文档/GUI设计.pptx
@@ -114,6 +114,11 @@
             <a:srgbClr val="A4A3A4"/>
           </p15:clr>
         </p15:guide>
+        <p15:guide id="3" orient="horz" pos="2160">
+          <p15:clr>
+            <a:srgbClr val="A4A3A4"/>
+          </p15:clr>
+        </p15:guide>
       </p15:sldGuideLst>
     </p:ext>
   </p:extLst>
@@ -251,7 +256,7 @@
           <a:p>
             <a:fld id="{F73117B3-37AA-408A-B63E-CC2FB56C9E24}" type="datetimeFigureOut">
               <a:rPr lang="zh-CN" altLang="en-US" smtClean="0"/>
-              <a:t>2020/12/3</a:t>
+              <a:t>2020/12/17</a:t>
             </a:fld>
             <a:endParaRPr lang="zh-CN" altLang="en-US"/>
           </a:p>
@@ -421,7 +426,7 @@
           <a:p>
             <a:fld id="{F73117B3-37AA-408A-B63E-CC2FB56C9E24}" type="datetimeFigureOut">
               <a:rPr lang="zh-CN" altLang="en-US" smtClean="0"/>
-              <a:t>2020/12/3</a:t>
+              <a:t>2020/12/17</a:t>
             </a:fld>
             <a:endParaRPr lang="zh-CN" altLang="en-US"/>
           </a:p>
@@ -601,7 +606,7 @@
           <a:p>
             <a:fld id="{F73117B3-37AA-408A-B63E-CC2FB56C9E24}" type="datetimeFigureOut">
               <a:rPr lang="zh-CN" altLang="en-US" smtClean="0"/>
-              <a:t>2020/12/3</a:t>
+              <a:t>2020/12/17</a:t>
             </a:fld>
             <a:endParaRPr lang="zh-CN" altLang="en-US"/>
           </a:p>
@@ -771,7 +776,7 @@
           <a:p>
             <a:fld id="{F73117B3-37AA-408A-B63E-CC2FB56C9E24}" type="datetimeFigureOut">
               <a:rPr lang="zh-CN" altLang="en-US" smtClean="0"/>
-              <a:t>2020/12/3</a:t>
+              <a:t>2020/12/17</a:t>
             </a:fld>
             <a:endParaRPr lang="zh-CN" altLang="en-US"/>
           </a:p>
@@ -1017,7 +1022,7 @@
           <a:p>
             <a:fld id="{F73117B3-37AA-408A-B63E-CC2FB56C9E24}" type="datetimeFigureOut">
               <a:rPr lang="zh-CN" altLang="en-US" smtClean="0"/>
-              <a:t>2020/12/3</a:t>
+              <a:t>2020/12/17</a:t>
             </a:fld>
             <a:endParaRPr lang="zh-CN" altLang="en-US"/>
           </a:p>
@@ -1249,7 +1254,7 @@
           <a:p>
             <a:fld id="{F73117B3-37AA-408A-B63E-CC2FB56C9E24}" type="datetimeFigureOut">
               <a:rPr lang="zh-CN" altLang="en-US" smtClean="0"/>
-              <a:t>2020/12/3</a:t>
+              <a:t>2020/12/17</a:t>
             </a:fld>
             <a:endParaRPr lang="zh-CN" altLang="en-US"/>
           </a:p>
@@ -1616,7 +1621,7 @@
           <a:p>
             <a:fld id="{F73117B3-37AA-408A-B63E-CC2FB56C9E24}" type="datetimeFigureOut">
               <a:rPr lang="zh-CN" altLang="en-US" smtClean="0"/>
-              <a:t>2020/12/3</a:t>
+              <a:t>2020/12/17</a:t>
             </a:fld>
             <a:endParaRPr lang="zh-CN" altLang="en-US"/>
           </a:p>
@@ -1734,7 +1739,7 @@
           <a:p>
             <a:fld id="{F73117B3-37AA-408A-B63E-CC2FB56C9E24}" type="datetimeFigureOut">
               <a:rPr lang="zh-CN" altLang="en-US" smtClean="0"/>
-              <a:t>2020/12/3</a:t>
+              <a:t>2020/12/17</a:t>
             </a:fld>
             <a:endParaRPr lang="zh-CN" altLang="en-US"/>
           </a:p>
@@ -1829,7 +1834,7 @@
           <a:p>
             <a:fld id="{F73117B3-37AA-408A-B63E-CC2FB56C9E24}" type="datetimeFigureOut">
               <a:rPr lang="zh-CN" altLang="en-US" smtClean="0"/>
-              <a:t>2020/12/3</a:t>
+              <a:t>2020/12/17</a:t>
             </a:fld>
             <a:endParaRPr lang="zh-CN" altLang="en-US"/>
           </a:p>
@@ -2106,7 +2111,7 @@
           <a:p>
             <a:fld id="{F73117B3-37AA-408A-B63E-CC2FB56C9E24}" type="datetimeFigureOut">
               <a:rPr lang="zh-CN" altLang="en-US" smtClean="0"/>
-              <a:t>2020/12/3</a:t>
+              <a:t>2020/12/17</a:t>
             </a:fld>
             <a:endParaRPr lang="zh-CN" altLang="en-US"/>
           </a:p>
@@ -2359,7 +2364,7 @@
           <a:p>
             <a:fld id="{F73117B3-37AA-408A-B63E-CC2FB56C9E24}" type="datetimeFigureOut">
               <a:rPr lang="zh-CN" altLang="en-US" smtClean="0"/>
-              <a:t>2020/12/3</a:t>
+              <a:t>2020/12/17</a:t>
             </a:fld>
             <a:endParaRPr lang="zh-CN" altLang="en-US"/>
           </a:p>
@@ -2572,7 +2577,7 @@
           <a:p>
             <a:fld id="{F73117B3-37AA-408A-B63E-CC2FB56C9E24}" type="datetimeFigureOut">
               <a:rPr lang="zh-CN" altLang="en-US" smtClean="0"/>
-              <a:t>2020/12/3</a:t>
+              <a:t>2020/12/17</a:t>
             </a:fld>
             <a:endParaRPr lang="zh-CN" altLang="en-US"/>
           </a:p>
@@ -2977,211 +2982,270 @@
           <a:chExt cx="0" cy="0"/>
         </a:xfrm>
       </p:grpSpPr>
-      <p:grpSp>
-        <p:nvGrpSpPr>
-          <p:cNvPr id="11" name="组合 10"/>
-          <p:cNvGrpSpPr/>
+      <p:sp>
+        <p:nvSpPr>
+          <p:cNvPr id="4" name="矩形 3"/>
+          <p:cNvSpPr/>
           <p:nvPr/>
-        </p:nvGrpSpPr>
-        <p:grpSpPr>
+        </p:nvSpPr>
+        <p:spPr>
           <a:xfrm>
             <a:off x="1681316" y="924232"/>
             <a:ext cx="5850194" cy="4159045"/>
-            <a:chOff x="1681316" y="924232"/>
-            <a:chExt cx="5850194" cy="4159045"/>
-          </a:xfrm>
-        </p:grpSpPr>
-        <p:sp>
-          <p:nvSpPr>
-            <p:cNvPr id="4" name="矩形 3"/>
-            <p:cNvSpPr/>
-            <p:nvPr/>
-          </p:nvSpPr>
-          <p:spPr>
-            <a:xfrm>
-              <a:off x="1681316" y="924232"/>
-              <a:ext cx="5850194" cy="4159045"/>
-            </a:xfrm>
-            <a:prstGeom prst="rect">
-              <a:avLst/>
-            </a:prstGeom>
-          </p:spPr>
-          <p:style>
-            <a:lnRef idx="2">
-              <a:schemeClr val="dk1"/>
-            </a:lnRef>
-            <a:fillRef idx="1">
-              <a:schemeClr val="lt1"/>
-            </a:fillRef>
-            <a:effectRef idx="0">
-              <a:schemeClr val="dk1"/>
-            </a:effectRef>
-            <a:fontRef idx="minor">
-              <a:schemeClr val="dk1"/>
-            </a:fontRef>
-          </p:style>
-          <p:txBody>
-            <a:bodyPr rtlCol="0" anchor="ctr"/>
-            <a:lstStyle/>
-            <a:p>
-              <a:pPr algn="ctr"/>
-              <a:endParaRPr lang="zh-CN" altLang="en-US" dirty="0"/>
-            </a:p>
-          </p:txBody>
-        </p:sp>
-        <p:sp>
-          <p:nvSpPr>
-            <p:cNvPr id="5" name="文本框 4"/>
-            <p:cNvSpPr txBox="1"/>
-            <p:nvPr/>
-          </p:nvSpPr>
-          <p:spPr>
-            <a:xfrm>
-              <a:off x="2644877" y="2264640"/>
-              <a:ext cx="1091381" cy="369332"/>
-            </a:xfrm>
-            <a:prstGeom prst="rect">
-              <a:avLst/>
-            </a:prstGeom>
-            <a:noFill/>
-          </p:spPr>
-          <p:txBody>
-            <a:bodyPr wrap="square" rtlCol="0">
-              <a:spAutoFit/>
-            </a:bodyPr>
-            <a:lstStyle/>
-            <a:p>
-              <a:r>
-                <a:rPr lang="zh-CN" altLang="en-US" dirty="0" smtClean="0"/>
-                <a:t>服务器</a:t>
-              </a:r>
-              <a:r>
-                <a:rPr lang="en-US" altLang="zh-CN" dirty="0" smtClean="0"/>
-                <a:t>IP</a:t>
-              </a:r>
-              <a:endParaRPr lang="zh-CN" altLang="en-US" dirty="0"/>
-            </a:p>
-          </p:txBody>
-        </p:sp>
-        <p:sp>
-          <p:nvSpPr>
-            <p:cNvPr id="6" name="矩形 5"/>
-            <p:cNvSpPr/>
-            <p:nvPr/>
-          </p:nvSpPr>
-          <p:spPr>
-            <a:xfrm>
-              <a:off x="4070556" y="2242829"/>
-              <a:ext cx="2585884" cy="412954"/>
-            </a:xfrm>
-            <a:prstGeom prst="rect">
-              <a:avLst/>
-            </a:prstGeom>
-          </p:spPr>
-          <p:style>
-            <a:lnRef idx="2">
-              <a:schemeClr val="dk1"/>
-            </a:lnRef>
-            <a:fillRef idx="1">
-              <a:schemeClr val="lt1"/>
-            </a:fillRef>
-            <a:effectRef idx="0">
-              <a:schemeClr val="dk1"/>
-            </a:effectRef>
-            <a:fontRef idx="minor">
-              <a:schemeClr val="dk1"/>
-            </a:fontRef>
-          </p:style>
-          <p:txBody>
-            <a:bodyPr rtlCol="0" anchor="ctr"/>
-            <a:lstStyle/>
-            <a:p>
-              <a:pPr algn="ctr"/>
-              <a:endParaRPr lang="zh-CN" altLang="en-US"/>
-            </a:p>
-          </p:txBody>
-        </p:sp>
-        <p:sp>
-          <p:nvSpPr>
-            <p:cNvPr id="7" name="矩形 6"/>
-            <p:cNvSpPr/>
-            <p:nvPr/>
-          </p:nvSpPr>
-          <p:spPr>
-            <a:xfrm>
-              <a:off x="3549445" y="3611660"/>
-              <a:ext cx="1956619" cy="725440"/>
-            </a:xfrm>
-            <a:prstGeom prst="rect">
-              <a:avLst/>
-            </a:prstGeom>
-          </p:spPr>
-          <p:style>
-            <a:lnRef idx="2">
-              <a:schemeClr val="dk1"/>
-            </a:lnRef>
-            <a:fillRef idx="1">
-              <a:schemeClr val="lt1"/>
-            </a:fillRef>
-            <a:effectRef idx="0">
-              <a:schemeClr val="dk1"/>
-            </a:effectRef>
-            <a:fontRef idx="minor">
-              <a:schemeClr val="dk1"/>
-            </a:fontRef>
-          </p:style>
-          <p:txBody>
-            <a:bodyPr rtlCol="0" anchor="ctr"/>
-            <a:lstStyle/>
-            <a:p>
-              <a:pPr algn="ctr"/>
-              <a:r>
-                <a:rPr lang="zh-CN" altLang="en-US" dirty="0" smtClean="0"/>
-                <a:t>登录</a:t>
-              </a:r>
-              <a:endParaRPr lang="zh-CN" altLang="en-US" dirty="0"/>
-            </a:p>
-          </p:txBody>
-        </p:sp>
-        <p:sp>
-          <p:nvSpPr>
-            <p:cNvPr id="10" name="文本框 9"/>
-            <p:cNvSpPr txBox="1"/>
-            <p:nvPr/>
-          </p:nvSpPr>
-          <p:spPr>
-            <a:xfrm>
-              <a:off x="1927123" y="1179871"/>
-              <a:ext cx="1150374" cy="369332"/>
-            </a:xfrm>
-            <a:prstGeom prst="rect">
-              <a:avLst/>
-            </a:prstGeom>
-            <a:noFill/>
-          </p:spPr>
-          <p:txBody>
-            <a:bodyPr wrap="square" rtlCol="0">
-              <a:spAutoFit/>
-            </a:bodyPr>
-            <a:lstStyle/>
-            <a:p>
-              <a:r>
-                <a:rPr lang="zh-CN" altLang="en-US" dirty="0" smtClean="0">
-                  <a:solidFill>
-                    <a:srgbClr val="FF0000"/>
-                  </a:solidFill>
-                </a:rPr>
-                <a:t>登录</a:t>
-              </a:r>
-              <a:endParaRPr lang="zh-CN" altLang="en-US" dirty="0">
+          </a:xfrm>
+          <a:prstGeom prst="rect">
+            <a:avLst/>
+          </a:prstGeom>
+        </p:spPr>
+        <p:style>
+          <a:lnRef idx="2">
+            <a:schemeClr val="dk1"/>
+          </a:lnRef>
+          <a:fillRef idx="1">
+            <a:schemeClr val="lt1"/>
+          </a:fillRef>
+          <a:effectRef idx="0">
+            <a:schemeClr val="dk1"/>
+          </a:effectRef>
+          <a:fontRef idx="minor">
+            <a:schemeClr val="dk1"/>
+          </a:fontRef>
+        </p:style>
+        <p:txBody>
+          <a:bodyPr rtlCol="0" anchor="ctr"/>
+          <a:lstStyle/>
+          <a:p>
+            <a:pPr algn="ctr"/>
+            <a:endParaRPr lang="zh-CN" altLang="en-US" dirty="0"/>
+          </a:p>
+        </p:txBody>
+      </p:sp>
+      <p:sp>
+        <p:nvSpPr>
+          <p:cNvPr id="5" name="文本框 4"/>
+          <p:cNvSpPr txBox="1"/>
+          <p:nvPr/>
+        </p:nvSpPr>
+        <p:spPr>
+          <a:xfrm>
+            <a:off x="2681948" y="1876803"/>
+            <a:ext cx="1091381" cy="369332"/>
+          </a:xfrm>
+          <a:prstGeom prst="rect">
+            <a:avLst/>
+          </a:prstGeom>
+          <a:noFill/>
+        </p:spPr>
+        <p:txBody>
+          <a:bodyPr wrap="square" rtlCol="0">
+            <a:spAutoFit/>
+          </a:bodyPr>
+          <a:lstStyle/>
+          <a:p>
+            <a:pPr algn="r"/>
+            <a:r>
+              <a:rPr lang="zh-CN" altLang="en-US" dirty="0" smtClean="0"/>
+              <a:t>服务器</a:t>
+            </a:r>
+            <a:r>
+              <a:rPr lang="en-US" altLang="zh-CN" dirty="0" smtClean="0"/>
+              <a:t>IP</a:t>
+            </a:r>
+            <a:endParaRPr lang="zh-CN" altLang="en-US" dirty="0"/>
+          </a:p>
+        </p:txBody>
+      </p:sp>
+      <p:sp>
+        <p:nvSpPr>
+          <p:cNvPr id="6" name="矩形 5"/>
+          <p:cNvSpPr/>
+          <p:nvPr/>
+        </p:nvSpPr>
+        <p:spPr>
+          <a:xfrm>
+            <a:off x="4107627" y="1854992"/>
+            <a:ext cx="2585884" cy="412954"/>
+          </a:xfrm>
+          <a:prstGeom prst="rect">
+            <a:avLst/>
+          </a:prstGeom>
+        </p:spPr>
+        <p:style>
+          <a:lnRef idx="2">
+            <a:schemeClr val="dk1"/>
+          </a:lnRef>
+          <a:fillRef idx="1">
+            <a:schemeClr val="lt1"/>
+          </a:fillRef>
+          <a:effectRef idx="0">
+            <a:schemeClr val="dk1"/>
+          </a:effectRef>
+          <a:fontRef idx="minor">
+            <a:schemeClr val="dk1"/>
+          </a:fontRef>
+        </p:style>
+        <p:txBody>
+          <a:bodyPr rtlCol="0" anchor="ctr"/>
+          <a:lstStyle/>
+          <a:p>
+            <a:pPr algn="ctr"/>
+            <a:endParaRPr lang="zh-CN" altLang="en-US"/>
+          </a:p>
+        </p:txBody>
+      </p:sp>
+      <p:sp>
+        <p:nvSpPr>
+          <p:cNvPr id="7" name="矩形 6"/>
+          <p:cNvSpPr/>
+          <p:nvPr/>
+        </p:nvSpPr>
+        <p:spPr>
+          <a:xfrm>
+            <a:off x="3549445" y="3611660"/>
+            <a:ext cx="1956619" cy="725440"/>
+          </a:xfrm>
+          <a:prstGeom prst="rect">
+            <a:avLst/>
+          </a:prstGeom>
+        </p:spPr>
+        <p:style>
+          <a:lnRef idx="2">
+            <a:schemeClr val="dk1"/>
+          </a:lnRef>
+          <a:fillRef idx="1">
+            <a:schemeClr val="lt1"/>
+          </a:fillRef>
+          <a:effectRef idx="0">
+            <a:schemeClr val="dk1"/>
+          </a:effectRef>
+          <a:fontRef idx="minor">
+            <a:schemeClr val="dk1"/>
+          </a:fontRef>
+        </p:style>
+        <p:txBody>
+          <a:bodyPr rtlCol="0" anchor="ctr"/>
+          <a:lstStyle/>
+          <a:p>
+            <a:pPr algn="ctr"/>
+            <a:r>
+              <a:rPr lang="zh-CN" altLang="en-US" dirty="0" smtClean="0"/>
+              <a:t>登录</a:t>
+            </a:r>
+            <a:endParaRPr lang="zh-CN" altLang="en-US" dirty="0"/>
+          </a:p>
+        </p:txBody>
+      </p:sp>
+      <p:sp>
+        <p:nvSpPr>
+          <p:cNvPr id="10" name="文本框 9"/>
+          <p:cNvSpPr txBox="1"/>
+          <p:nvPr/>
+        </p:nvSpPr>
+        <p:spPr>
+          <a:xfrm>
+            <a:off x="1927123" y="1179871"/>
+            <a:ext cx="1150374" cy="369332"/>
+          </a:xfrm>
+          <a:prstGeom prst="rect">
+            <a:avLst/>
+          </a:prstGeom>
+          <a:noFill/>
+        </p:spPr>
+        <p:txBody>
+          <a:bodyPr wrap="square" rtlCol="0">
+            <a:spAutoFit/>
+          </a:bodyPr>
+          <a:lstStyle/>
+          <a:p>
+            <a:r>
+              <a:rPr lang="zh-CN" altLang="en-US" dirty="0" smtClean="0">
                 <a:solidFill>
                   <a:srgbClr val="FF0000"/>
                 </a:solidFill>
-              </a:endParaRPr>
-            </a:p>
-          </p:txBody>
-        </p:sp>
-      </p:grpSp>
+              </a:rPr>
+              <a:t>登录</a:t>
+            </a:r>
+            <a:endParaRPr lang="zh-CN" altLang="en-US" dirty="0">
+              <a:solidFill>
+                <a:srgbClr val="FF0000"/>
+              </a:solidFill>
+            </a:endParaRPr>
+          </a:p>
+        </p:txBody>
+      </p:sp>
+      <p:sp>
+        <p:nvSpPr>
+          <p:cNvPr id="8" name="文本框 7"/>
+          <p:cNvSpPr txBox="1"/>
+          <p:nvPr/>
+        </p:nvSpPr>
+        <p:spPr>
+          <a:xfrm>
+            <a:off x="2360142" y="2496762"/>
+            <a:ext cx="1413188" cy="369332"/>
+          </a:xfrm>
+          <a:prstGeom prst="rect">
+            <a:avLst/>
+          </a:prstGeom>
+          <a:noFill/>
+        </p:spPr>
+        <p:txBody>
+          <a:bodyPr wrap="square" rtlCol="0">
+            <a:spAutoFit/>
+          </a:bodyPr>
+          <a:lstStyle/>
+          <a:p>
+            <a:pPr algn="r"/>
+            <a:r>
+              <a:rPr lang="zh-CN" altLang="en-US" dirty="0" smtClean="0"/>
+              <a:t>服务器</a:t>
+            </a:r>
+            <a:r>
+              <a:rPr lang="zh-CN" altLang="en-US" dirty="0"/>
+              <a:t>端口</a:t>
+            </a:r>
+            <a:endParaRPr lang="zh-CN" altLang="en-US" dirty="0"/>
+          </a:p>
+        </p:txBody>
+      </p:sp>
+      <p:sp>
+        <p:nvSpPr>
+          <p:cNvPr id="9" name="矩形 8"/>
+          <p:cNvSpPr/>
+          <p:nvPr/>
+        </p:nvSpPr>
+        <p:spPr>
+          <a:xfrm>
+            <a:off x="4107627" y="2474951"/>
+            <a:ext cx="2585884" cy="412954"/>
+          </a:xfrm>
+          <a:prstGeom prst="rect">
+            <a:avLst/>
+          </a:prstGeom>
+        </p:spPr>
+        <p:style>
+          <a:lnRef idx="2">
+            <a:schemeClr val="dk1"/>
+          </a:lnRef>
+          <a:fillRef idx="1">
+            <a:schemeClr val="lt1"/>
+          </a:fillRef>
+          <a:effectRef idx="0">
+            <a:schemeClr val="dk1"/>
+          </a:effectRef>
+          <a:fontRef idx="minor">
+            <a:schemeClr val="dk1"/>
+          </a:fontRef>
+        </p:style>
+        <p:txBody>
+          <a:bodyPr rtlCol="0" anchor="ctr"/>
+          <a:lstStyle/>
+          <a:p>
+            <a:pPr algn="ctr"/>
+            <a:endParaRPr lang="zh-CN" altLang="en-US"/>
+          </a:p>
+        </p:txBody>
+      </p:sp>
     </p:spTree>
     <p:extLst>
       <p:ext uri="{BB962C8B-B14F-4D97-AF65-F5344CB8AC3E}">
